--- a/PPT/04css属性及兼容.pptx
+++ b/PPT/04css属性及兼容.pptx
@@ -13760,18 +13760,7 @@
                 <a:ea typeface="微软雅黑" panose="020B0503020204020204" pitchFamily="34" charset="-122"/>
                 <a:sym typeface="+mn-ea"/>
               </a:rPr>
-              <a:t>常见的</a:t>
-            </a:r>
-            <a:r>
-              <a:rPr lang="zh-CN" altLang="en-US">
-                <a:solidFill>
-                  <a:srgbClr val="FF0000"/>
-                </a:solidFill>
-                <a:latin typeface="微软雅黑" panose="020B0503020204020204" pitchFamily="34" charset="-122"/>
-                <a:ea typeface="微软雅黑" panose="020B0503020204020204" pitchFamily="34" charset="-122"/>
-                <a:sym typeface="+mn-ea"/>
-              </a:rPr>
-              <a:t>块级元素(block element)</a:t>
+              <a:t>常见的块级元素(block element)</a:t>
             </a:r>
             <a:endParaRPr lang="zh-CN" altLang="en-US">
               <a:solidFill>
@@ -14898,18 +14887,7 @@
                 <a:ea typeface="微软雅黑" panose="020B0503020204020204" pitchFamily="34" charset="-122"/>
                 <a:sym typeface="+mn-ea"/>
               </a:rPr>
-              <a:t>、常见的</a:t>
-            </a:r>
-            <a:r>
-              <a:rPr lang="zh-CN" altLang="en-US">
-                <a:solidFill>
-                  <a:srgbClr val="FF0000"/>
-                </a:solidFill>
-                <a:latin typeface="微软雅黑" panose="020B0503020204020204" pitchFamily="34" charset="-122"/>
-                <a:ea typeface="微软雅黑" panose="020B0503020204020204" pitchFamily="34" charset="-122"/>
-                <a:sym typeface="+mn-ea"/>
-              </a:rPr>
-              <a:t>内联元素(inline element)</a:t>
+              <a:t>、常见的内联元素(inline element)</a:t>
             </a:r>
             <a:endParaRPr lang="zh-CN" altLang="en-US">
               <a:solidFill>
@@ -16010,7 +15988,7 @@
         <p:spPr>
           <a:xfrm>
             <a:off x="1485265" y="1279525"/>
-            <a:ext cx="6174105" cy="2584450"/>
+            <a:ext cx="6174105" cy="2306955"/>
           </a:xfrm>
           <a:prstGeom prst="rect">
             <a:avLst/>
@@ -16072,22 +16050,6 @@
                 </a:solidFill>
               </a:rPr>
               <a:t>作用：在同一页面内的不同位置进行跳转。</a:t>
-            </a:r>
-            <a:endParaRPr lang="zh-CN" altLang="en-US">
-              <a:solidFill>
-                <a:srgbClr val="FF0000"/>
-              </a:solidFill>
-            </a:endParaRPr>
-          </a:p>
-          <a:p>
-            <a:pPr algn="l"/>
-            <a:r>
-              <a:rPr>
-                <a:solidFill>
-                  <a:schemeClr val="tx1"/>
-                </a:solidFill>
-              </a:rPr>
-              <a:t>作用：该属性设置或检索对象元素应该生成的盒模型的类型。</a:t>
             </a:r>
             <a:endParaRPr>
               <a:solidFill>
@@ -17941,7 +17903,7 @@
         <p:spPr>
           <a:xfrm>
             <a:off x="1485265" y="1208405"/>
-            <a:ext cx="6174105" cy="2584450"/>
+            <a:ext cx="6174105" cy="2306955"/>
           </a:xfrm>
           <a:prstGeom prst="rect">
             <a:avLst/>
@@ -18010,14 +17972,22 @@
               </a:rPr>
               <a:t>Internet Explorer、 Safari、Mozilla Firefox、 Google Chrome、Opera、百度、360、搜狗、傲游  </a:t>
             </a:r>
-            <a:endParaRPr>
-              <a:solidFill>
-                <a:schemeClr val="tx1"/>
-              </a:solidFill>
-            </a:endParaRPr>
-          </a:p>
-          <a:p>
-            <a:pPr algn="l"/>
+            <a:r>
+              <a:rPr lang="zh-CN">
+                <a:solidFill>
+                  <a:schemeClr val="tx1"/>
+                </a:solidFill>
+              </a:rPr>
+              <a:t>，</a:t>
+            </a:r>
+            <a:r>
+              <a:rPr lang="en-US" altLang="zh-CN">
+                <a:solidFill>
+                  <a:schemeClr val="tx1"/>
+                </a:solidFill>
+              </a:rPr>
+              <a:t>QQ</a:t>
+            </a:r>
             <a:endParaRPr>
               <a:solidFill>
                 <a:schemeClr val="tx1"/>
